--- a/Meilensteine/01_PITCH_GATE_0/Prometheus_Gate0.pptx
+++ b/Meilensteine/01_PITCH_GATE_0/Prometheus_Gate0.pptx
@@ -4,9 +4,13 @@
   <p:sldMasterIdLst>
     <p:sldMasterId id="2147483672" r:id="rId1"/>
   </p:sldMasterIdLst>
+  <p:handoutMasterIdLst>
+    <p:handoutMasterId r:id="rId5"/>
+  </p:handoutMasterIdLst>
   <p:sldIdLst>
     <p:sldId id="256" r:id="rId2"/>
     <p:sldId id="257" r:id="rId3"/>
+    <p:sldId id="258" r:id="rId4"/>
   </p:sldIdLst>
   <p:sldSz cx="9144000" cy="6858000" type="screen4x3"/>
   <p:notesSz cx="6858000" cy="9144000"/>
@@ -106,6 +110,171 @@
     </a:lvl9pPr>
   </p:defaultTextStyle>
 </p:presentation>
+</file>
+
+<file path=ppt/handoutMasters/handoutMaster1.xml><?xml version="1.0" encoding="utf-8"?>
+<p:handoutMaster xmlns:a="http://schemas.openxmlformats.org/drawingml/2006/main" xmlns:r="http://schemas.openxmlformats.org/officeDocument/2006/relationships" xmlns:p="http://schemas.openxmlformats.org/presentationml/2006/main">
+  <p:cSld>
+    <p:bg>
+      <p:bgRef idx="1001">
+        <a:schemeClr val="bg1"/>
+      </p:bgRef>
+    </p:bg>
+    <p:spTree>
+      <p:nvGrpSpPr>
+        <p:cNvPr id="1" name=""/>
+        <p:cNvGrpSpPr/>
+        <p:nvPr/>
+      </p:nvGrpSpPr>
+      <p:grpSpPr>
+        <a:xfrm>
+          <a:off x="0" y="0"/>
+          <a:ext cx="0" cy="0"/>
+          <a:chOff x="0" y="0"/>
+          <a:chExt cx="0" cy="0"/>
+        </a:xfrm>
+      </p:grpSpPr>
+      <p:sp>
+        <p:nvSpPr>
+          <p:cNvPr id="2" name="Kopfzeilenplatzhalter 1"/>
+          <p:cNvSpPr>
+            <a:spLocks noGrp="1"/>
+          </p:cNvSpPr>
+          <p:nvPr>
+            <p:ph type="hdr" sz="quarter"/>
+          </p:nvPr>
+        </p:nvSpPr>
+        <p:spPr>
+          <a:xfrm>
+            <a:off x="0" y="0"/>
+            <a:ext cx="2971800" cy="457200"/>
+          </a:xfrm>
+          <a:prstGeom prst="rect">
+            <a:avLst/>
+          </a:prstGeom>
+        </p:spPr>
+        <p:txBody>
+          <a:bodyPr vert="horz" lIns="91440" tIns="45720" rIns="91440" bIns="45720" rtlCol="0"/>
+          <a:lstStyle>
+            <a:lvl1pPr algn="l">
+              <a:defRPr sz="1200"/>
+            </a:lvl1pPr>
+          </a:lstStyle>
+          <a:p>
+            <a:endParaRPr lang="de-DE"/>
+          </a:p>
+        </p:txBody>
+      </p:sp>
+      <p:sp>
+        <p:nvSpPr>
+          <p:cNvPr id="3" name="Datumsplatzhalter 2"/>
+          <p:cNvSpPr>
+            <a:spLocks noGrp="1"/>
+          </p:cNvSpPr>
+          <p:nvPr>
+            <p:ph type="dt" sz="quarter" idx="1"/>
+          </p:nvPr>
+        </p:nvSpPr>
+        <p:spPr>
+          <a:xfrm>
+            <a:off x="3884613" y="0"/>
+            <a:ext cx="2971800" cy="457200"/>
+          </a:xfrm>
+          <a:prstGeom prst="rect">
+            <a:avLst/>
+          </a:prstGeom>
+        </p:spPr>
+        <p:txBody>
+          <a:bodyPr vert="horz" lIns="91440" tIns="45720" rIns="91440" bIns="45720" rtlCol="0"/>
+          <a:lstStyle>
+            <a:lvl1pPr algn="r">
+              <a:defRPr sz="1200"/>
+            </a:lvl1pPr>
+          </a:lstStyle>
+          <a:p>
+            <a:fld id="{C5EB3F6A-2E3D-47B5-AB69-12C1A61833D1}" type="datetimeFigureOut">
+              <a:rPr lang="de-DE" smtClean="0"/>
+              <a:t>25.05.2019</a:t>
+            </a:fld>
+            <a:endParaRPr lang="de-DE"/>
+          </a:p>
+        </p:txBody>
+      </p:sp>
+      <p:sp>
+        <p:nvSpPr>
+          <p:cNvPr id="4" name="Fußzeilenplatzhalter 3"/>
+          <p:cNvSpPr>
+            <a:spLocks noGrp="1"/>
+          </p:cNvSpPr>
+          <p:nvPr>
+            <p:ph type="ftr" sz="quarter" idx="2"/>
+          </p:nvPr>
+        </p:nvSpPr>
+        <p:spPr>
+          <a:xfrm>
+            <a:off x="0" y="8685213"/>
+            <a:ext cx="2971800" cy="457200"/>
+          </a:xfrm>
+          <a:prstGeom prst="rect">
+            <a:avLst/>
+          </a:prstGeom>
+        </p:spPr>
+        <p:txBody>
+          <a:bodyPr vert="horz" lIns="91440" tIns="45720" rIns="91440" bIns="45720" rtlCol="0" anchor="b"/>
+          <a:lstStyle>
+            <a:lvl1pPr algn="l">
+              <a:defRPr sz="1200"/>
+            </a:lvl1pPr>
+          </a:lstStyle>
+          <a:p>
+            <a:endParaRPr lang="de-DE"/>
+          </a:p>
+        </p:txBody>
+      </p:sp>
+      <p:sp>
+        <p:nvSpPr>
+          <p:cNvPr id="5" name="Foliennummernplatzhalter 4"/>
+          <p:cNvSpPr>
+            <a:spLocks noGrp="1"/>
+          </p:cNvSpPr>
+          <p:nvPr>
+            <p:ph type="sldNum" sz="quarter" idx="3"/>
+          </p:nvPr>
+        </p:nvSpPr>
+        <p:spPr>
+          <a:xfrm>
+            <a:off x="3884613" y="8685213"/>
+            <a:ext cx="2971800" cy="457200"/>
+          </a:xfrm>
+          <a:prstGeom prst="rect">
+            <a:avLst/>
+          </a:prstGeom>
+        </p:spPr>
+        <p:txBody>
+          <a:bodyPr vert="horz" lIns="91440" tIns="45720" rIns="91440" bIns="45720" rtlCol="0" anchor="b"/>
+          <a:lstStyle>
+            <a:lvl1pPr algn="r">
+              <a:defRPr sz="1200"/>
+            </a:lvl1pPr>
+          </a:lstStyle>
+          <a:p>
+            <a:fld id="{7AEB45DA-7FBA-400D-AF62-A7481BE2F77A}" type="slidenum">
+              <a:rPr lang="de-DE" smtClean="0"/>
+              <a:t>‹Nr.›</a:t>
+            </a:fld>
+            <a:endParaRPr lang="de-DE"/>
+          </a:p>
+        </p:txBody>
+      </p:sp>
+    </p:spTree>
+    <p:extLst>
+      <p:ext uri="{BB962C8B-B14F-4D97-AF65-F5344CB8AC3E}">
+        <p14:creationId xmlns:p14="http://schemas.microsoft.com/office/powerpoint/2010/main" val="1931850917"/>
+      </p:ext>
+    </p:extLst>
+  </p:cSld>
+  <p:clrMap bg1="lt1" tx1="dk1" bg2="lt2" tx2="dk2" accent1="accent1" accent2="accent2" accent3="accent3" accent4="accent4" accent5="accent5" accent6="accent6" hlink="hlink" folHlink="folHlink"/>
+</p:handoutMaster>
 </file>
 
 <file path=ppt/slideLayouts/slideLayout1.xml><?xml version="1.0" encoding="utf-8"?>
@@ -1315,7 +1484,7 @@
 </file>
 
 <file path=ppt/slideLayouts/slideLayout2.xml><?xml version="1.0" encoding="utf-8"?>
-<p:sldLayout xmlns:a="http://schemas.openxmlformats.org/drawingml/2006/main" xmlns:r="http://schemas.openxmlformats.org/officeDocument/2006/relationships" xmlns:p="http://schemas.openxmlformats.org/presentationml/2006/main" type="obj" preserve="1">
+<p:sldLayout xmlns:a="http://schemas.openxmlformats.org/drawingml/2006/main" xmlns:r="http://schemas.openxmlformats.org/officeDocument/2006/relationships" xmlns:p="http://schemas.openxmlformats.org/presentationml/2006/main" preserve="1" userDrawn="1">
   <p:cSld name="Titel und Inhalt">
     <p:bg>
       <p:bgRef idx="1002">
@@ -1453,38 +1622,108 @@
           </a:p>
         </p:txBody>
       </p:sp>
-      <p:sp>
-        <p:nvSpPr>
-          <p:cNvPr id="11" name="Title 10"/>
-          <p:cNvSpPr>
-            <a:spLocks noGrp="1"/>
-          </p:cNvSpPr>
-          <p:nvPr>
-            <p:ph type="title" hasCustomPrompt="1"/>
-          </p:nvPr>
-        </p:nvSpPr>
-        <p:spPr/>
-        <p:txBody>
-          <a:bodyPr/>
-          <a:lstStyle>
-            <a:lvl1pPr>
-              <a:defRPr/>
-            </a:lvl1pPr>
-          </a:lstStyle>
-          <a:p>
-            <a:r>
-              <a:rPr lang="en-US" dirty="0" smtClean="0"/>
-              <a:t>Prometheus</a:t>
-            </a:r>
-            <a:endParaRPr lang="en-US" dirty="0"/>
-          </a:p>
-        </p:txBody>
-      </p:sp>
+      <p:pic>
+        <p:nvPicPr>
+          <p:cNvPr id="7" name="Grafik 6"/>
+          <p:cNvPicPr>
+            <a:picLocks noChangeAspect="1"/>
+          </p:cNvPicPr>
+          <p:nvPr userDrawn="1"/>
+        </p:nvPicPr>
+        <p:blipFill>
+          <a:blip r:embed="rId2" cstate="print">
+            <a:extLst>
+              <a:ext uri="{28A0092B-C50C-407E-A947-70E740481C1C}">
+                <a14:useLocalDpi xmlns:a14="http://schemas.microsoft.com/office/drawing/2010/main" val="0"/>
+              </a:ext>
+            </a:extLst>
+          </a:blip>
+          <a:stretch>
+            <a:fillRect/>
+          </a:stretch>
+        </p:blipFill>
+        <p:spPr>
+          <a:xfrm>
+            <a:off x="-2628800" y="-1678561"/>
+            <a:ext cx="5472608" cy="8754238"/>
+          </a:xfrm>
+          <a:prstGeom prst="rect">
+            <a:avLst/>
+          </a:prstGeom>
+        </p:spPr>
+      </p:pic>
+      <p:pic>
+        <p:nvPicPr>
+          <p:cNvPr id="8" name="Grafik 7"/>
+          <p:cNvPicPr>
+            <a:picLocks noChangeAspect="1"/>
+          </p:cNvPicPr>
+          <p:nvPr userDrawn="1"/>
+        </p:nvPicPr>
+        <p:blipFill>
+          <a:blip r:embed="rId2" cstate="print">
+            <a:extLst>
+              <a:ext uri="{28A0092B-C50C-407E-A947-70E740481C1C}">
+                <a14:useLocalDpi xmlns:a14="http://schemas.microsoft.com/office/drawing/2010/main" val="0"/>
+              </a:ext>
+            </a:extLst>
+          </a:blip>
+          <a:stretch>
+            <a:fillRect/>
+          </a:stretch>
+        </p:blipFill>
+        <p:spPr>
+          <a:xfrm>
+            <a:off x="6407696" y="-1676617"/>
+            <a:ext cx="5472608" cy="8754238"/>
+          </a:xfrm>
+          <a:prstGeom prst="rect">
+            <a:avLst/>
+          </a:prstGeom>
+        </p:spPr>
+      </p:pic>
+      <p:pic>
+        <p:nvPicPr>
+          <p:cNvPr id="9" name="Inhaltsplatzhalter 5"/>
+          <p:cNvPicPr>
+            <a:picLocks noChangeAspect="1"/>
+          </p:cNvPicPr>
+          <p:nvPr userDrawn="1"/>
+        </p:nvPicPr>
+        <p:blipFill>
+          <a:blip r:embed="rId3" cstate="print">
+            <a:extLst>
+              <a:ext uri="{28A0092B-C50C-407E-A947-70E740481C1C}">
+                <a14:useLocalDpi xmlns:a14="http://schemas.microsoft.com/office/drawing/2010/main" val="0"/>
+              </a:ext>
+            </a:extLst>
+          </a:blip>
+          <a:stretch>
+            <a:fillRect/>
+          </a:stretch>
+        </p:blipFill>
+        <p:spPr>
+          <a:xfrm>
+            <a:off x="5436096" y="212369"/>
+            <a:ext cx="2484162" cy="840367"/>
+          </a:xfrm>
+          <a:prstGeom prst="rect">
+            <a:avLst/>
+          </a:prstGeom>
+        </p:spPr>
+      </p:pic>
     </p:spTree>
   </p:cSld>
   <p:clrMapOvr>
     <a:overrideClrMapping bg1="lt1" tx1="dk1" bg2="lt2" tx2="dk2" accent1="accent1" accent2="accent2" accent3="accent3" accent4="accent4" accent5="accent5" accent6="accent6" hlink="hlink" folHlink="folHlink"/>
   </p:clrMapOvr>
+  <p:timing>
+    <p:tnLst>
+      <p:par>
+        <p:cTn id="1" dur="indefinite" restart="never" nodeType="tmRoot"/>
+      </p:par>
+    </p:tnLst>
+  </p:timing>
 </p:sldLayout>
 </file>
 
@@ -1898,6 +2137,13 @@
   <p:clrMapOvr>
     <a:overrideClrMapping bg1="lt1" tx1="dk1" bg2="lt2" tx2="dk2" accent1="accent1" accent2="accent2" accent3="accent3" accent4="accent4" accent5="accent5" accent6="accent6" hlink="hlink" folHlink="folHlink"/>
   </p:clrMapOvr>
+  <p:timing>
+    <p:tnLst>
+      <p:par>
+        <p:cTn id="1" dur="indefinite" restart="never" nodeType="tmRoot"/>
+      </p:par>
+    </p:tnLst>
+  </p:timing>
 </p:sldLayout>
 </file>
 
@@ -4517,7 +4763,7 @@
       </p:grpSpPr>
       <p:sp>
         <p:nvSpPr>
-          <p:cNvPr id="2" name="Inhaltsplatzhalter 1"/>
+          <p:cNvPr id="7" name="Inhaltsplatzhalter 6"/>
           <p:cNvSpPr>
             <a:spLocks noGrp="1"/>
           </p:cNvSpPr>
@@ -4536,20 +4782,35 @@
       </p:sp>
       <p:sp>
         <p:nvSpPr>
-          <p:cNvPr id="3" name="Titel 2"/>
-          <p:cNvSpPr>
-            <a:spLocks noGrp="1"/>
-          </p:cNvSpPr>
-          <p:nvPr>
-            <p:ph type="title"/>
-          </p:nvPr>
-        </p:nvSpPr>
-        <p:spPr/>
-        <p:txBody>
-          <a:bodyPr/>
+          <p:cNvPr id="8" name="Textfeld 7"/>
+          <p:cNvSpPr txBox="1"/>
+          <p:nvPr/>
+        </p:nvSpPr>
+        <p:spPr>
+          <a:xfrm>
+            <a:off x="683568" y="1412776"/>
+            <a:ext cx="7776864" cy="646331"/>
+          </a:xfrm>
+          <a:prstGeom prst="rect">
+            <a:avLst/>
+          </a:prstGeom>
+          <a:noFill/>
+        </p:spPr>
+        <p:txBody>
+          <a:bodyPr wrap="square" rtlCol="0">
+            <a:spAutoFit/>
+          </a:bodyPr>
           <a:lstStyle/>
           <a:p>
-            <a:endParaRPr lang="de-DE"/>
+            <a:r>
+              <a:rPr lang="de-DE" sz="3600" dirty="0" smtClean="0">
+                <a:latin typeface="Xtra" panose="00000400000000000000" pitchFamily="2" charset="0"/>
+              </a:rPr>
+              <a:t>Seitentitel</a:t>
+            </a:r>
+            <a:endParaRPr lang="de-DE" sz="3600" dirty="0">
+              <a:latin typeface="Xtra" panose="00000400000000000000" pitchFamily="2" charset="0"/>
+            </a:endParaRPr>
           </a:p>
         </p:txBody>
       </p:sp>
@@ -4557,6 +4818,62 @@
     <p:extLst>
       <p:ext uri="{BB962C8B-B14F-4D97-AF65-F5344CB8AC3E}">
         <p14:creationId xmlns:p14="http://schemas.microsoft.com/office/powerpoint/2010/main" val="3974085551"/>
+      </p:ext>
+    </p:extLst>
+  </p:cSld>
+  <p:clrMapOvr>
+    <a:masterClrMapping/>
+  </p:clrMapOvr>
+  <p:timing>
+    <p:tnLst>
+      <p:par>
+        <p:cTn id="1" dur="indefinite" restart="never" nodeType="tmRoot"/>
+      </p:par>
+    </p:tnLst>
+  </p:timing>
+</p:sld>
+</file>
+
+<file path=ppt/slides/slide3.xml><?xml version="1.0" encoding="utf-8"?>
+<p:sld xmlns:a="http://schemas.openxmlformats.org/drawingml/2006/main" xmlns:r="http://schemas.openxmlformats.org/officeDocument/2006/relationships" xmlns:p="http://schemas.openxmlformats.org/presentationml/2006/main">
+  <p:cSld>
+    <p:spTree>
+      <p:nvGrpSpPr>
+        <p:cNvPr id="1" name=""/>
+        <p:cNvGrpSpPr/>
+        <p:nvPr/>
+      </p:nvGrpSpPr>
+      <p:grpSpPr>
+        <a:xfrm>
+          <a:off x="0" y="0"/>
+          <a:ext cx="0" cy="0"/>
+          <a:chOff x="0" y="0"/>
+          <a:chExt cx="0" cy="0"/>
+        </a:xfrm>
+      </p:grpSpPr>
+      <p:sp>
+        <p:nvSpPr>
+          <p:cNvPr id="2" name="Inhaltsplatzhalter 1"/>
+          <p:cNvSpPr>
+            <a:spLocks noGrp="1"/>
+          </p:cNvSpPr>
+          <p:nvPr>
+            <p:ph idx="1"/>
+          </p:nvPr>
+        </p:nvSpPr>
+        <p:spPr/>
+        <p:txBody>
+          <a:bodyPr/>
+          <a:lstStyle/>
+          <a:p>
+            <a:endParaRPr lang="de-DE"/>
+          </a:p>
+        </p:txBody>
+      </p:sp>
+    </p:spTree>
+    <p:extLst>
+      <p:ext uri="{BB962C8B-B14F-4D97-AF65-F5344CB8AC3E}">
+        <p14:creationId xmlns:p14="http://schemas.microsoft.com/office/powerpoint/2010/main" val="4247461484"/>
       </p:ext>
     </p:extLst>
   </p:cSld>
@@ -4835,4 +5152,289 @@
   <a:objectDefaults/>
   <a:extraClrSchemeLst/>
 </a:theme>
+</file>
+
+<file path=ppt/theme/theme2.xml><?xml version="1.0" encoding="utf-8"?>
+<a:theme xmlns:a="http://schemas.openxmlformats.org/drawingml/2006/main" name="Larissa">
+  <a:themeElements>
+    <a:clrScheme name="Larissa">
+      <a:dk1>
+        <a:sysClr val="windowText" lastClr="000000"/>
+      </a:dk1>
+      <a:lt1>
+        <a:sysClr val="window" lastClr="FFFFFF"/>
+      </a:lt1>
+      <a:dk2>
+        <a:srgbClr val="1F497D"/>
+      </a:dk2>
+      <a:lt2>
+        <a:srgbClr val="EEECE1"/>
+      </a:lt2>
+      <a:accent1>
+        <a:srgbClr val="4F81BD"/>
+      </a:accent1>
+      <a:accent2>
+        <a:srgbClr val="C0504D"/>
+      </a:accent2>
+      <a:accent3>
+        <a:srgbClr val="9BBB59"/>
+      </a:accent3>
+      <a:accent4>
+        <a:srgbClr val="8064A2"/>
+      </a:accent4>
+      <a:accent5>
+        <a:srgbClr val="4BACC6"/>
+      </a:accent5>
+      <a:accent6>
+        <a:srgbClr val="F79646"/>
+      </a:accent6>
+      <a:hlink>
+        <a:srgbClr val="0000FF"/>
+      </a:hlink>
+      <a:folHlink>
+        <a:srgbClr val="800080"/>
+      </a:folHlink>
+    </a:clrScheme>
+    <a:fontScheme name="Larissa">
+      <a:majorFont>
+        <a:latin typeface="Calibri"/>
+        <a:ea typeface=""/>
+        <a:cs typeface=""/>
+        <a:font script="Jpan" typeface="ＭＳ Ｐゴシック"/>
+        <a:font script="Hang" typeface="맑은 고딕"/>
+        <a:font script="Hans" typeface="宋体"/>
+        <a:font script="Hant" typeface="新細明體"/>
+        <a:font script="Arab" typeface="Times New Roman"/>
+        <a:font script="Hebr" typeface="Times New Roman"/>
+        <a:font script="Thai" typeface="Angsana New"/>
+        <a:font script="Ethi" typeface="Nyala"/>
+        <a:font script="Beng" typeface="Vrinda"/>
+        <a:font script="Gujr" typeface="Shruti"/>
+        <a:font script="Khmr" typeface="MoolBoran"/>
+        <a:font script="Knda" typeface="Tunga"/>
+        <a:font script="Guru" typeface="Raavi"/>
+        <a:font script="Cans" typeface="Euphemia"/>
+        <a:font script="Cher" typeface="Plantagenet Cherokee"/>
+        <a:font script="Yiii" typeface="Microsoft Yi Baiti"/>
+        <a:font script="Tibt" typeface="Microsoft Himalaya"/>
+        <a:font script="Thaa" typeface="MV Boli"/>
+        <a:font script="Deva" typeface="Mangal"/>
+        <a:font script="Telu" typeface="Gautami"/>
+        <a:font script="Taml" typeface="Latha"/>
+        <a:font script="Syrc" typeface="Estrangelo Edessa"/>
+        <a:font script="Orya" typeface="Kalinga"/>
+        <a:font script="Mlym" typeface="Kartika"/>
+        <a:font script="Laoo" typeface="DokChampa"/>
+        <a:font script="Sinh" typeface="Iskoola Pota"/>
+        <a:font script="Mong" typeface="Mongolian Baiti"/>
+        <a:font script="Viet" typeface="Times New Roman"/>
+        <a:font script="Uigh" typeface="Microsoft Uighur"/>
+        <a:font script="Geor" typeface="Sylfaen"/>
+      </a:majorFont>
+      <a:minorFont>
+        <a:latin typeface="Calibri"/>
+        <a:ea typeface=""/>
+        <a:cs typeface=""/>
+        <a:font script="Jpan" typeface="ＭＳ Ｐゴシック"/>
+        <a:font script="Hang" typeface="맑은 고딕"/>
+        <a:font script="Hans" typeface="宋体"/>
+        <a:font script="Hant" typeface="新細明體"/>
+        <a:font script="Arab" typeface="Arial"/>
+        <a:font script="Hebr" typeface="Arial"/>
+        <a:font script="Thai" typeface="Cordia New"/>
+        <a:font script="Ethi" typeface="Nyala"/>
+        <a:font script="Beng" typeface="Vrinda"/>
+        <a:font script="Gujr" typeface="Shruti"/>
+        <a:font script="Khmr" typeface="DaunPenh"/>
+        <a:font script="Knda" typeface="Tunga"/>
+        <a:font script="Guru" typeface="Raavi"/>
+        <a:font script="Cans" typeface="Euphemia"/>
+        <a:font script="Cher" typeface="Plantagenet Cherokee"/>
+        <a:font script="Yiii" typeface="Microsoft Yi Baiti"/>
+        <a:font script="Tibt" typeface="Microsoft Himalaya"/>
+        <a:font script="Thaa" typeface="MV Boli"/>
+        <a:font script="Deva" typeface="Mangal"/>
+        <a:font script="Telu" typeface="Gautami"/>
+        <a:font script="Taml" typeface="Latha"/>
+        <a:font script="Syrc" typeface="Estrangelo Edessa"/>
+        <a:font script="Orya" typeface="Kalinga"/>
+        <a:font script="Mlym" typeface="Kartika"/>
+        <a:font script="Laoo" typeface="DokChampa"/>
+        <a:font script="Sinh" typeface="Iskoola Pota"/>
+        <a:font script="Mong" typeface="Mongolian Baiti"/>
+        <a:font script="Viet" typeface="Arial"/>
+        <a:font script="Uigh" typeface="Microsoft Uighur"/>
+        <a:font script="Geor" typeface="Sylfaen"/>
+      </a:minorFont>
+    </a:fontScheme>
+    <a:fmtScheme name="Larissa">
+      <a:fillStyleLst>
+        <a:solidFill>
+          <a:schemeClr val="phClr"/>
+        </a:solidFill>
+        <a:gradFill rotWithShape="1">
+          <a:gsLst>
+            <a:gs pos="0">
+              <a:schemeClr val="phClr">
+                <a:tint val="50000"/>
+                <a:satMod val="300000"/>
+              </a:schemeClr>
+            </a:gs>
+            <a:gs pos="35000">
+              <a:schemeClr val="phClr">
+                <a:tint val="37000"/>
+                <a:satMod val="300000"/>
+              </a:schemeClr>
+            </a:gs>
+            <a:gs pos="100000">
+              <a:schemeClr val="phClr">
+                <a:tint val="15000"/>
+                <a:satMod val="350000"/>
+              </a:schemeClr>
+            </a:gs>
+          </a:gsLst>
+          <a:lin ang="16200000" scaled="1"/>
+        </a:gradFill>
+        <a:gradFill rotWithShape="1">
+          <a:gsLst>
+            <a:gs pos="0">
+              <a:schemeClr val="phClr">
+                <a:shade val="51000"/>
+                <a:satMod val="130000"/>
+              </a:schemeClr>
+            </a:gs>
+            <a:gs pos="80000">
+              <a:schemeClr val="phClr">
+                <a:shade val="93000"/>
+                <a:satMod val="130000"/>
+              </a:schemeClr>
+            </a:gs>
+            <a:gs pos="100000">
+              <a:schemeClr val="phClr">
+                <a:shade val="94000"/>
+                <a:satMod val="135000"/>
+              </a:schemeClr>
+            </a:gs>
+          </a:gsLst>
+          <a:lin ang="16200000" scaled="0"/>
+        </a:gradFill>
+      </a:fillStyleLst>
+      <a:lnStyleLst>
+        <a:ln w="9525" cap="flat" cmpd="sng" algn="ctr">
+          <a:solidFill>
+            <a:schemeClr val="phClr">
+              <a:shade val="95000"/>
+              <a:satMod val="105000"/>
+            </a:schemeClr>
+          </a:solidFill>
+          <a:prstDash val="solid"/>
+        </a:ln>
+        <a:ln w="25400" cap="flat" cmpd="sng" algn="ctr">
+          <a:solidFill>
+            <a:schemeClr val="phClr"/>
+          </a:solidFill>
+          <a:prstDash val="solid"/>
+        </a:ln>
+        <a:ln w="38100" cap="flat" cmpd="sng" algn="ctr">
+          <a:solidFill>
+            <a:schemeClr val="phClr"/>
+          </a:solidFill>
+          <a:prstDash val="solid"/>
+        </a:ln>
+      </a:lnStyleLst>
+      <a:effectStyleLst>
+        <a:effectStyle>
+          <a:effectLst>
+            <a:outerShdw blurRad="40000" dist="20000" dir="5400000" rotWithShape="0">
+              <a:srgbClr val="000000">
+                <a:alpha val="38000"/>
+              </a:srgbClr>
+            </a:outerShdw>
+          </a:effectLst>
+        </a:effectStyle>
+        <a:effectStyle>
+          <a:effectLst>
+            <a:outerShdw blurRad="40000" dist="23000" dir="5400000" rotWithShape="0">
+              <a:srgbClr val="000000">
+                <a:alpha val="35000"/>
+              </a:srgbClr>
+            </a:outerShdw>
+          </a:effectLst>
+        </a:effectStyle>
+        <a:effectStyle>
+          <a:effectLst>
+            <a:outerShdw blurRad="40000" dist="23000" dir="5400000" rotWithShape="0">
+              <a:srgbClr val="000000">
+                <a:alpha val="35000"/>
+              </a:srgbClr>
+            </a:outerShdw>
+          </a:effectLst>
+          <a:scene3d>
+            <a:camera prst="orthographicFront">
+              <a:rot lat="0" lon="0" rev="0"/>
+            </a:camera>
+            <a:lightRig rig="threePt" dir="t">
+              <a:rot lat="0" lon="0" rev="1200000"/>
+            </a:lightRig>
+          </a:scene3d>
+          <a:sp3d>
+            <a:bevelT w="63500" h="25400"/>
+          </a:sp3d>
+        </a:effectStyle>
+      </a:effectStyleLst>
+      <a:bgFillStyleLst>
+        <a:solidFill>
+          <a:schemeClr val="phClr"/>
+        </a:solidFill>
+        <a:gradFill rotWithShape="1">
+          <a:gsLst>
+            <a:gs pos="0">
+              <a:schemeClr val="phClr">
+                <a:tint val="40000"/>
+                <a:satMod val="350000"/>
+              </a:schemeClr>
+            </a:gs>
+            <a:gs pos="40000">
+              <a:schemeClr val="phClr">
+                <a:tint val="45000"/>
+                <a:shade val="99000"/>
+                <a:satMod val="350000"/>
+              </a:schemeClr>
+            </a:gs>
+            <a:gs pos="100000">
+              <a:schemeClr val="phClr">
+                <a:shade val="20000"/>
+                <a:satMod val="255000"/>
+              </a:schemeClr>
+            </a:gs>
+          </a:gsLst>
+          <a:path path="circle">
+            <a:fillToRect l="50000" t="-80000" r="50000" b="180000"/>
+          </a:path>
+        </a:gradFill>
+        <a:gradFill rotWithShape="1">
+          <a:gsLst>
+            <a:gs pos="0">
+              <a:schemeClr val="phClr">
+                <a:tint val="80000"/>
+                <a:satMod val="300000"/>
+              </a:schemeClr>
+            </a:gs>
+            <a:gs pos="100000">
+              <a:schemeClr val="phClr">
+                <a:shade val="30000"/>
+                <a:satMod val="200000"/>
+              </a:schemeClr>
+            </a:gs>
+          </a:gsLst>
+          <a:path path="circle">
+            <a:fillToRect l="50000" t="50000" r="50000" b="50000"/>
+          </a:path>
+        </a:gradFill>
+      </a:bgFillStyleLst>
+    </a:fmtScheme>
+  </a:themeElements>
+  <a:objectDefaults/>
+  <a:extraClrSchemeLst/>
+</a:theme>
 </file>